--- a/writing-tech-books-101-slides.pptx
+++ b/writing-tech-books-101-slides.pptx
@@ -5,7 +5,7 @@
     <p:sldMasterId id="2147483648" r:id="rId1"/>
   </p:sldMasterIdLst>
   <p:notesMasterIdLst>
-    <p:notesMasterId r:id="rId33"/>
+    <p:notesMasterId r:id="rId34"/>
   </p:notesMasterIdLst>
   <p:sldIdLst>
     <p:sldId id="256" r:id="rId2"/>
@@ -36,9 +36,10 @@
     <p:sldId id="457" r:id="rId27"/>
     <p:sldId id="458" r:id="rId28"/>
     <p:sldId id="460" r:id="rId29"/>
-    <p:sldId id="434" r:id="rId30"/>
-    <p:sldId id="432" r:id="rId31"/>
-    <p:sldId id="459" r:id="rId32"/>
+    <p:sldId id="461" r:id="rId30"/>
+    <p:sldId id="434" r:id="rId31"/>
+    <p:sldId id="432" r:id="rId32"/>
+    <p:sldId id="459" r:id="rId33"/>
   </p:sldIdLst>
   <p:sldSz cx="12192000" cy="6858000"/>
   <p:notesSz cx="6858000" cy="9144000"/>
@@ -2976,6 +2977,90 @@
     <p:extLst>
       <p:ext uri="{BB962C8B-B14F-4D97-AF65-F5344CB8AC3E}">
         <p14:creationId xmlns:p14="http://schemas.microsoft.com/office/powerpoint/2010/main" val="1908451476"/>
+      </p:ext>
+    </p:extLst>
+  </p:cSld>
+  <p:clrMapOvr>
+    <a:masterClrMapping/>
+  </p:clrMapOvr>
+</p:notes>
+</file>
+
+<file path=ppt/notesSlides/notesSlide19.xml><?xml version="1.0" encoding="utf-8"?>
+<p:notes xmlns:a="http://schemas.openxmlformats.org/drawingml/2006/main" xmlns:r="http://schemas.openxmlformats.org/officeDocument/2006/relationships" xmlns:p="http://schemas.openxmlformats.org/presentationml/2006/main">
+  <p:cSld>
+    <p:spTree>
+      <p:nvGrpSpPr>
+        <p:cNvPr id="1" name=""/>
+        <p:cNvGrpSpPr/>
+        <p:nvPr/>
+      </p:nvGrpSpPr>
+      <p:grpSpPr>
+        <a:xfrm>
+          <a:off x="0" y="0"/>
+          <a:ext cx="0" cy="0"/>
+          <a:chOff x="0" y="0"/>
+          <a:chExt cx="0" cy="0"/>
+        </a:xfrm>
+      </p:grpSpPr>
+      <p:sp>
+        <p:nvSpPr>
+          <p:cNvPr id="2" name="Slide Image Placeholder 1"/>
+          <p:cNvSpPr>
+            <a:spLocks noGrp="1" noRot="1" noChangeAspect="1"/>
+          </p:cNvSpPr>
+          <p:nvPr>
+            <p:ph type="sldImg"/>
+          </p:nvPr>
+        </p:nvSpPr>
+        <p:spPr/>
+      </p:sp>
+      <p:sp>
+        <p:nvSpPr>
+          <p:cNvPr id="3" name="Notes Placeholder 2"/>
+          <p:cNvSpPr>
+            <a:spLocks noGrp="1"/>
+          </p:cNvSpPr>
+          <p:nvPr>
+            <p:ph type="body" idx="1"/>
+          </p:nvPr>
+        </p:nvSpPr>
+        <p:spPr/>
+        <p:txBody>
+          <a:bodyPr/>
+          <a:lstStyle/>
+          <a:p>
+            <a:endParaRPr lang="en-US" dirty="0"/>
+          </a:p>
+        </p:txBody>
+      </p:sp>
+      <p:sp>
+        <p:nvSpPr>
+          <p:cNvPr id="4" name="Slide Number Placeholder 3"/>
+          <p:cNvSpPr>
+            <a:spLocks noGrp="1"/>
+          </p:cNvSpPr>
+          <p:nvPr>
+            <p:ph type="sldNum" sz="quarter" idx="5"/>
+          </p:nvPr>
+        </p:nvSpPr>
+        <p:spPr/>
+        <p:txBody>
+          <a:bodyPr/>
+          <a:lstStyle/>
+          <a:p>
+            <a:fld id="{3BB66621-ADCC-4EF8-8003-B9D3E881DCD2}" type="slidenum">
+              <a:rPr lang="en-US" smtClean="0"/>
+              <a:t>29</a:t>
+            </a:fld>
+            <a:endParaRPr lang="en-US"/>
+          </a:p>
+        </p:txBody>
+      </p:sp>
+    </p:spTree>
+    <p:extLst>
+      <p:ext uri="{BB962C8B-B14F-4D97-AF65-F5344CB8AC3E}">
+        <p14:creationId xmlns:p14="http://schemas.microsoft.com/office/powerpoint/2010/main" val="3675702061"/>
       </p:ext>
     </p:extLst>
   </p:cSld>
@@ -9283,11 +9368,14 @@
           <a:lstStyle/>
           <a:p>
             <a:r>
-              <a:rPr lang="en-US" sz="6000" dirty="0">
+              <a:rPr lang="en-US" sz="6000">
                 <a:latin typeface="Aliens &amp; cows" panose="00000500000000000000" pitchFamily="2" charset="0"/>
               </a:rPr>
-              <a:t>Reeling and dealing</a:t>
-            </a:r>
+              <a:t>Writing technical books 101</a:t>
+            </a:r>
+            <a:endParaRPr lang="en-US" sz="6000" dirty="0">
+              <a:latin typeface="Aliens &amp; cows" panose="00000500000000000000" pitchFamily="2" charset="0"/>
+            </a:endParaRPr>
           </a:p>
         </p:txBody>
       </p:sp>
@@ -9824,7 +9912,7 @@
           <p:nvPr/>
         </p:nvPicPr>
         <p:blipFill rotWithShape="1">
-          <a:blip r:embed="rId2">
+          <a:blip r:embed="rId3">
             <a:extLst>
               <a:ext uri="{28A0092B-C50C-407E-A947-70E740481C1C}">
                 <a14:useLocalDpi xmlns:a14="http://schemas.microsoft.com/office/drawing/2010/main" val="0"/>
@@ -9836,44 +9924,14 @@
         </p:blipFill>
         <p:spPr>
           <a:xfrm>
-            <a:off x="8136460" y="2210765"/>
-            <a:ext cx="4055539" cy="4647236"/>
+            <a:off x="10894024" y="5370653"/>
+            <a:ext cx="1297975" cy="1487348"/>
           </a:xfrm>
           <a:prstGeom prst="rect">
             <a:avLst/>
           </a:prstGeom>
         </p:spPr>
       </p:pic>
-      <p:pic>
-        <p:nvPicPr>
-          <p:cNvPr id="4" name="Picture 3"/>
-          <p:cNvPicPr>
-            <a:picLocks noChangeAspect="1"/>
-          </p:cNvPicPr>
-          <p:nvPr/>
-        </p:nvPicPr>
-        <p:blipFill>
-          <a:blip r:embed="rId3">
-            <a:extLst>
-              <a:ext uri="{28A0092B-C50C-407E-A947-70E740481C1C}">
-                <a14:useLocalDpi xmlns:a14="http://schemas.microsoft.com/office/drawing/2010/main" val="0"/>
-              </a:ext>
-            </a:extLst>
-          </a:blip>
-          <a:stretch>
-            <a:fillRect/>
-          </a:stretch>
-        </p:blipFill>
-        <p:spPr>
-          <a:xfrm>
-            <a:off x="-538496" y="-2482770"/>
-            <a:ext cx="10171472" cy="7459883"/>
-          </a:xfrm>
-          <a:prstGeom prst="rect">
-            <a:avLst/>
-          </a:prstGeom>
-        </p:spPr>
-      </p:pic>
       <p:sp>
         <p:nvSpPr>
           <p:cNvPr id="11" name="TextBox 10"/>
@@ -9882,8 +9940,8 @@
         </p:nvSpPr>
         <p:spPr>
           <a:xfrm>
-            <a:off x="324091" y="1687545"/>
-            <a:ext cx="7986531" cy="1077218"/>
+            <a:off x="347240" y="113388"/>
+            <a:ext cx="9799937" cy="1015663"/>
           </a:xfrm>
           <a:prstGeom prst="rect">
             <a:avLst/>
@@ -9897,29 +9955,124 @@
           <a:lstStyle/>
           <a:p>
             <a:r>
-              <a:rPr lang="en-US" sz="4400" b="1" dirty="0">
+              <a:rPr lang="en-US" sz="6000" dirty="0">
+                <a:latin typeface="Aliens &amp; cows" panose="00000500000000000000" pitchFamily="2" charset="0"/>
+              </a:rPr>
+              <a:t>Technical book coaching</a:t>
+            </a:r>
+          </a:p>
+        </p:txBody>
+      </p:sp>
+      <p:sp>
+        <p:nvSpPr>
+          <p:cNvPr id="6" name="TextBox 5">
+            <a:extLst>
+              <a:ext uri="{FF2B5EF4-FFF2-40B4-BE49-F238E27FC236}">
+                <a16:creationId xmlns:a16="http://schemas.microsoft.com/office/drawing/2014/main" id="{A4ABF069-A2C4-4825-B3DA-7D7DFA88E6FF}"/>
+              </a:ext>
+            </a:extLst>
+          </p:cNvPr>
+          <p:cNvSpPr txBox="1"/>
+          <p:nvPr/>
+        </p:nvSpPr>
+        <p:spPr>
+          <a:xfrm>
+            <a:off x="462987" y="1365813"/>
+            <a:ext cx="6774721" cy="2677656"/>
+          </a:xfrm>
+          <a:prstGeom prst="rect">
+            <a:avLst/>
+          </a:prstGeom>
+          <a:noFill/>
+        </p:spPr>
+        <p:txBody>
+          <a:bodyPr wrap="square" rtlCol="0">
+            <a:spAutoFit/>
+          </a:bodyPr>
+          <a:lstStyle/>
+          <a:p>
+            <a:pPr algn="l"/>
+            <a:r>
+              <a:rPr lang="en-US" sz="2800" i="0" dirty="0">
                 <a:solidFill>
-                  <a:srgbClr val="707070"/>
+                  <a:srgbClr val="222222"/>
                 </a:solidFill>
-                <a:latin typeface="Pragmatica" panose="020B0403040502020204" pitchFamily="34" charset="0"/>
+                <a:effectLst/>
+                <a:latin typeface="PT Sans" panose="020B0503020203020204" pitchFamily="34" charset="0"/>
               </a:rPr>
-              <a:t>Questions?</a:t>
-            </a:r>
-          </a:p>
-          <a:p>
-            <a:endParaRPr lang="en-US" sz="2000" b="1" i="1" dirty="0">
+              <a:t>Learn more and get started: </a:t>
+            </a:r>
+            <a:r>
+              <a:rPr lang="en-US" sz="2800" i="0" dirty="0">
+                <a:solidFill>
+                  <a:srgbClr val="222222"/>
+                </a:solidFill>
+                <a:effectLst/>
+                <a:latin typeface="PT Sans" panose="020B0503020203020204" pitchFamily="34" charset="0"/>
+                <a:hlinkClick r:id="rId4"/>
+              </a:rPr>
+              <a:t>https://stringfestanalytics.com/technical-book-coaching/</a:t>
+            </a:r>
+            <a:r>
+              <a:rPr lang="en-US" sz="2800" i="0" dirty="0">
+                <a:solidFill>
+                  <a:srgbClr val="222222"/>
+                </a:solidFill>
+                <a:effectLst/>
+                <a:latin typeface="PT Sans" panose="020B0503020203020204" pitchFamily="34" charset="0"/>
+              </a:rPr>
+              <a:t>  </a:t>
+            </a:r>
+          </a:p>
+          <a:p>
+            <a:pPr algn="l"/>
+            <a:endParaRPr lang="en-US" sz="2800" dirty="0">
               <a:solidFill>
-                <a:srgbClr val="707070"/>
+                <a:srgbClr val="222222"/>
               </a:solidFill>
-              <a:latin typeface="Pragmatica" panose="020B0403040502020204" pitchFamily="34" charset="0"/>
+              <a:latin typeface="PT Sans" panose="020B0503020203020204" pitchFamily="34" charset="0"/>
             </a:endParaRPr>
+          </a:p>
+          <a:p>
+            <a:pPr algn="l"/>
+            <a:r>
+              <a:rPr lang="en-US" sz="2800" i="0" dirty="0">
+                <a:solidFill>
+                  <a:srgbClr val="222222"/>
+                </a:solidFill>
+                <a:effectLst/>
+                <a:latin typeface="PT Sans" panose="020B0503020203020204" pitchFamily="34" charset="0"/>
+              </a:rPr>
+              <a:t>Free half-hour discovery call for first three to email </a:t>
+            </a:r>
+            <a:r>
+              <a:rPr lang="en-US" sz="2800" i="0" dirty="0">
+                <a:solidFill>
+                  <a:srgbClr val="222222"/>
+                </a:solidFill>
+                <a:effectLst/>
+                <a:latin typeface="PT Sans" panose="020B0503020203020204" pitchFamily="34" charset="0"/>
+                <a:hlinkClick r:id="rId5"/>
+              </a:rPr>
+              <a:t>George@stringfestanalytics.com</a:t>
+            </a:r>
+            <a:r>
+              <a:rPr lang="en-US" sz="2800" i="0" dirty="0">
+                <a:solidFill>
+                  <a:srgbClr val="222222"/>
+                </a:solidFill>
+                <a:effectLst/>
+                <a:latin typeface="PT Sans" panose="020B0503020203020204" pitchFamily="34" charset="0"/>
+              </a:rPr>
+              <a:t> </a:t>
+            </a:r>
           </a:p>
         </p:txBody>
       </p:sp>
     </p:spTree>
     <p:extLst>
       <p:ext uri="{BB962C8B-B14F-4D97-AF65-F5344CB8AC3E}">
-        <p14:creationId xmlns:p14="http://schemas.microsoft.com/office/powerpoint/2010/main" val="2792158884"/>
+        <p14:creationId xmlns:p14="http://schemas.microsoft.com/office/powerpoint/2010/main" val="1692692786"/>
       </p:ext>
     </p:extLst>
   </p:cSld>
@@ -10239,6 +10392,137 @@
         <p:spPr>
           <a:xfrm>
             <a:off x="324091" y="1687545"/>
+            <a:ext cx="7986531" cy="1077218"/>
+          </a:xfrm>
+          <a:prstGeom prst="rect">
+            <a:avLst/>
+          </a:prstGeom>
+          <a:noFill/>
+        </p:spPr>
+        <p:txBody>
+          <a:bodyPr wrap="square" rtlCol="0">
+            <a:spAutoFit/>
+          </a:bodyPr>
+          <a:lstStyle/>
+          <a:p>
+            <a:r>
+              <a:rPr lang="en-US" sz="4400" b="1" dirty="0">
+                <a:solidFill>
+                  <a:srgbClr val="707070"/>
+                </a:solidFill>
+                <a:latin typeface="Pragmatica" panose="020B0403040502020204" pitchFamily="34" charset="0"/>
+              </a:rPr>
+              <a:t>Questions?</a:t>
+            </a:r>
+          </a:p>
+          <a:p>
+            <a:endParaRPr lang="en-US" sz="2000" b="1" i="1" dirty="0">
+              <a:solidFill>
+                <a:srgbClr val="707070"/>
+              </a:solidFill>
+              <a:latin typeface="Pragmatica" panose="020B0403040502020204" pitchFamily="34" charset="0"/>
+            </a:endParaRPr>
+          </a:p>
+        </p:txBody>
+      </p:sp>
+    </p:spTree>
+    <p:extLst>
+      <p:ext uri="{BB962C8B-B14F-4D97-AF65-F5344CB8AC3E}">
+        <p14:creationId xmlns:p14="http://schemas.microsoft.com/office/powerpoint/2010/main" val="2792158884"/>
+      </p:ext>
+    </p:extLst>
+  </p:cSld>
+  <p:clrMapOvr>
+    <a:masterClrMapping/>
+  </p:clrMapOvr>
+</p:sld>
+</file>
+
+<file path=ppt/slides/slide31.xml><?xml version="1.0" encoding="utf-8"?>
+<p:sld xmlns:a="http://schemas.openxmlformats.org/drawingml/2006/main" xmlns:r="http://schemas.openxmlformats.org/officeDocument/2006/relationships" xmlns:p="http://schemas.openxmlformats.org/presentationml/2006/main">
+  <p:cSld>
+    <p:spTree>
+      <p:nvGrpSpPr>
+        <p:cNvPr id="1" name=""/>
+        <p:cNvGrpSpPr/>
+        <p:nvPr/>
+      </p:nvGrpSpPr>
+      <p:grpSpPr>
+        <a:xfrm>
+          <a:off x="0" y="0"/>
+          <a:ext cx="0" cy="0"/>
+          <a:chOff x="0" y="0"/>
+          <a:chExt cx="0" cy="0"/>
+        </a:xfrm>
+      </p:grpSpPr>
+      <p:pic>
+        <p:nvPicPr>
+          <p:cNvPr id="10" name="Picture 9"/>
+          <p:cNvPicPr>
+            <a:picLocks noChangeAspect="1"/>
+          </p:cNvPicPr>
+          <p:nvPr/>
+        </p:nvPicPr>
+        <p:blipFill rotWithShape="1">
+          <a:blip r:embed="rId2">
+            <a:extLst>
+              <a:ext uri="{28A0092B-C50C-407E-A947-70E740481C1C}">
+                <a14:useLocalDpi xmlns:a14="http://schemas.microsoft.com/office/drawing/2010/main" val="0"/>
+              </a:ext>
+            </a:extLst>
+          </a:blip>
+          <a:srcRect l="50728" t="56371"/>
+          <a:stretch/>
+        </p:blipFill>
+        <p:spPr>
+          <a:xfrm>
+            <a:off x="8136460" y="2210765"/>
+            <a:ext cx="4055539" cy="4647236"/>
+          </a:xfrm>
+          <a:prstGeom prst="rect">
+            <a:avLst/>
+          </a:prstGeom>
+        </p:spPr>
+      </p:pic>
+      <p:pic>
+        <p:nvPicPr>
+          <p:cNvPr id="4" name="Picture 3"/>
+          <p:cNvPicPr>
+            <a:picLocks noChangeAspect="1"/>
+          </p:cNvPicPr>
+          <p:nvPr/>
+        </p:nvPicPr>
+        <p:blipFill>
+          <a:blip r:embed="rId3">
+            <a:extLst>
+              <a:ext uri="{28A0092B-C50C-407E-A947-70E740481C1C}">
+                <a14:useLocalDpi xmlns:a14="http://schemas.microsoft.com/office/drawing/2010/main" val="0"/>
+              </a:ext>
+            </a:extLst>
+          </a:blip>
+          <a:stretch>
+            <a:fillRect/>
+          </a:stretch>
+        </p:blipFill>
+        <p:spPr>
+          <a:xfrm>
+            <a:off x="-538496" y="-2482770"/>
+            <a:ext cx="10171472" cy="7459883"/>
+          </a:xfrm>
+          <a:prstGeom prst="rect">
+            <a:avLst/>
+          </a:prstGeom>
+        </p:spPr>
+      </p:pic>
+      <p:sp>
+        <p:nvSpPr>
+          <p:cNvPr id="11" name="TextBox 10"/>
+          <p:cNvSpPr txBox="1"/>
+          <p:nvPr/>
+        </p:nvSpPr>
+        <p:spPr>
+          <a:xfrm>
+            <a:off x="324091" y="1687545"/>
             <a:ext cx="7986531" cy="2369880"/>
           </a:xfrm>
           <a:prstGeom prst="rect">
@@ -10339,7 +10623,7 @@
 </p:sld>
 </file>
 
-<file path=ppt/slides/slide31.xml><?xml version="1.0" encoding="utf-8"?>
+<file path=ppt/slides/slide32.xml><?xml version="1.0" encoding="utf-8"?>
 <p:sld xmlns:a="http://schemas.openxmlformats.org/drawingml/2006/main" xmlns:r="http://schemas.openxmlformats.org/officeDocument/2006/relationships" xmlns:p="http://schemas.openxmlformats.org/presentationml/2006/main">
   <p:cSld>
     <p:spTree>
